--- a/report/СПб_239_Клюнин.pptx
+++ b/report/СПб_239_Клюнин.pptx
@@ -6,7 +6,16 @@
   </p:sldMasterIdLst>
   <p:sldIdLst>
     <p:sldId id="256" r:id="rId2"/>
-    <p:sldId id="257" r:id="rId3"/>
+    <p:sldId id="258" r:id="rId3"/>
+    <p:sldId id="259" r:id="rId4"/>
+    <p:sldId id="260" r:id="rId5"/>
+    <p:sldId id="261" r:id="rId6"/>
+    <p:sldId id="262" r:id="rId7"/>
+    <p:sldId id="263" r:id="rId8"/>
+    <p:sldId id="264" r:id="rId9"/>
+    <p:sldId id="265" r:id="rId10"/>
+    <p:sldId id="266" r:id="rId11"/>
+    <p:sldId id="257" r:id="rId12"/>
   </p:sldIdLst>
   <p:sldSz cx="12192000" cy="6858000"/>
   <p:notesSz cx="6858000" cy="9144000"/>
@@ -105,6 +114,11 @@
       </a:defRPr>
     </a:lvl9pPr>
   </p:defaultTextStyle>
+  <p:extLst>
+    <p:ext uri="{EFAFB233-063F-42B5-8137-9DF3F51BA10A}">
+      <p15:sldGuideLst xmlns:p15="http://schemas.microsoft.com/office/powerpoint/2012/main"/>
+    </p:ext>
+  </p:extLst>
 </p:presentation>
 </file>
 
@@ -276,7 +290,7 @@
           <a:p>
             <a:fld id="{D2C52A7C-CC61-44E5-9E33-1DD1BB62CECF}" type="datetimeFigureOut">
               <a:rPr lang="ru-RU" smtClean="0"/>
-              <a:t>14.05.2022</a:t>
+              <a:t>15.05.2022</a:t>
             </a:fld>
             <a:endParaRPr lang="ru-RU"/>
           </a:p>
@@ -504,7 +518,7 @@
           <a:p>
             <a:fld id="{D2C52A7C-CC61-44E5-9E33-1DD1BB62CECF}" type="datetimeFigureOut">
               <a:rPr lang="ru-RU" smtClean="0"/>
-              <a:t>14.05.2022</a:t>
+              <a:t>15.05.2022</a:t>
             </a:fld>
             <a:endParaRPr lang="ru-RU"/>
           </a:p>
@@ -684,7 +698,7 @@
           <a:p>
             <a:fld id="{D2C52A7C-CC61-44E5-9E33-1DD1BB62CECF}" type="datetimeFigureOut">
               <a:rPr lang="ru-RU" smtClean="0"/>
-              <a:t>14.05.2022</a:t>
+              <a:t>15.05.2022</a:t>
             </a:fld>
             <a:endParaRPr lang="ru-RU"/>
           </a:p>
@@ -854,7 +868,7 @@
           <a:p>
             <a:fld id="{D2C52A7C-CC61-44E5-9E33-1DD1BB62CECF}" type="datetimeFigureOut">
               <a:rPr lang="ru-RU" smtClean="0"/>
-              <a:t>14.05.2022</a:t>
+              <a:t>15.05.2022</a:t>
             </a:fld>
             <a:endParaRPr lang="ru-RU"/>
           </a:p>
@@ -1108,7 +1122,7 @@
           <a:p>
             <a:fld id="{D2C52A7C-CC61-44E5-9E33-1DD1BB62CECF}" type="datetimeFigureOut">
               <a:rPr lang="ru-RU" smtClean="0"/>
-              <a:t>14.05.2022</a:t>
+              <a:t>15.05.2022</a:t>
             </a:fld>
             <a:endParaRPr lang="ru-RU"/>
           </a:p>
@@ -1434,7 +1448,7 @@
           <a:p>
             <a:fld id="{D2C52A7C-CC61-44E5-9E33-1DD1BB62CECF}" type="datetimeFigureOut">
               <a:rPr lang="ru-RU" smtClean="0"/>
-              <a:t>14.05.2022</a:t>
+              <a:t>15.05.2022</a:t>
             </a:fld>
             <a:endParaRPr lang="ru-RU"/>
           </a:p>
@@ -1885,7 +1899,7 @@
           <a:p>
             <a:fld id="{D2C52A7C-CC61-44E5-9E33-1DD1BB62CECF}" type="datetimeFigureOut">
               <a:rPr lang="ru-RU" smtClean="0"/>
-              <a:t>14.05.2022</a:t>
+              <a:t>15.05.2022</a:t>
             </a:fld>
             <a:endParaRPr lang="ru-RU"/>
           </a:p>
@@ -2003,7 +2017,7 @@
           <a:p>
             <a:fld id="{D2C52A7C-CC61-44E5-9E33-1DD1BB62CECF}" type="datetimeFigureOut">
               <a:rPr lang="ru-RU" smtClean="0"/>
-              <a:t>14.05.2022</a:t>
+              <a:t>15.05.2022</a:t>
             </a:fld>
             <a:endParaRPr lang="ru-RU"/>
           </a:p>
@@ -2098,7 +2112,7 @@
           <a:p>
             <a:fld id="{D2C52A7C-CC61-44E5-9E33-1DD1BB62CECF}" type="datetimeFigureOut">
               <a:rPr lang="ru-RU" smtClean="0"/>
-              <a:t>14.05.2022</a:t>
+              <a:t>15.05.2022</a:t>
             </a:fld>
             <a:endParaRPr lang="ru-RU"/>
           </a:p>
@@ -2385,7 +2399,7 @@
           <a:p>
             <a:fld id="{D2C52A7C-CC61-44E5-9E33-1DD1BB62CECF}" type="datetimeFigureOut">
               <a:rPr lang="ru-RU" smtClean="0"/>
-              <a:t>14.05.2022</a:t>
+              <a:t>15.05.2022</a:t>
             </a:fld>
             <a:endParaRPr lang="ru-RU"/>
           </a:p>
@@ -2707,7 +2721,7 @@
           <a:p>
             <a:fld id="{D2C52A7C-CC61-44E5-9E33-1DD1BB62CECF}" type="datetimeFigureOut">
               <a:rPr lang="ru-RU" smtClean="0"/>
-              <a:t>14.05.2022</a:t>
+              <a:t>15.05.2022</a:t>
             </a:fld>
             <a:endParaRPr lang="ru-RU"/>
           </a:p>
@@ -2961,7 +2975,7 @@
           <a:p>
             <a:fld id="{D2C52A7C-CC61-44E5-9E33-1DD1BB62CECF}" type="datetimeFigureOut">
               <a:rPr lang="ru-RU" smtClean="0"/>
-              <a:t>14.05.2022</a:t>
+              <a:t>15.05.2022</a:t>
             </a:fld>
             <a:endParaRPr lang="ru-RU"/>
           </a:p>
@@ -3525,6 +3539,361 @@
 </p:sld>
 </file>
 
+<file path=ppt/slides/slide10.xml><?xml version="1.0" encoding="utf-8"?>
+<p:sld xmlns:a="http://schemas.openxmlformats.org/drawingml/2006/main" xmlns:r="http://schemas.openxmlformats.org/officeDocument/2006/relationships" xmlns:p="http://schemas.openxmlformats.org/presentationml/2006/main">
+  <p:cSld>
+    <p:spTree>
+      <p:nvGrpSpPr>
+        <p:cNvPr id="1" name=""/>
+        <p:cNvGrpSpPr/>
+        <p:nvPr/>
+      </p:nvGrpSpPr>
+      <p:grpSpPr>
+        <a:xfrm>
+          <a:off x="0" y="0"/>
+          <a:ext cx="0" cy="0"/>
+          <a:chOff x="0" y="0"/>
+          <a:chExt cx="0" cy="0"/>
+        </a:xfrm>
+      </p:grpSpPr>
+      <p:sp>
+        <p:nvSpPr>
+          <p:cNvPr id="2" name="Заголовок 1">
+            <a:extLst>
+              <a:ext uri="{FF2B5EF4-FFF2-40B4-BE49-F238E27FC236}">
+                <a16:creationId xmlns:a16="http://schemas.microsoft.com/office/drawing/2014/main" id="{B40AAEC3-2068-43A7-8C5A-5B93EA9984FA}"/>
+              </a:ext>
+            </a:extLst>
+          </p:cNvPr>
+          <p:cNvSpPr>
+            <a:spLocks noGrp="1"/>
+          </p:cNvSpPr>
+          <p:nvPr>
+            <p:ph type="ctrTitle"/>
+          </p:nvPr>
+        </p:nvSpPr>
+        <p:spPr>
+          <a:xfrm>
+            <a:off x="1680972" y="365760"/>
+            <a:ext cx="9418320" cy="1168400"/>
+          </a:xfrm>
+        </p:spPr>
+        <p:txBody>
+          <a:bodyPr/>
+          <a:lstStyle/>
+          <a:p>
+            <a:pPr algn="ctr"/>
+            <a:r>
+              <a:rPr lang="ru-RU" dirty="0"/>
+              <a:t>Сервер</a:t>
+            </a:r>
+          </a:p>
+        </p:txBody>
+      </p:sp>
+      <p:sp>
+        <p:nvSpPr>
+          <p:cNvPr id="7" name="TextBox 6">
+            <a:extLst>
+              <a:ext uri="{FF2B5EF4-FFF2-40B4-BE49-F238E27FC236}">
+                <a16:creationId xmlns:a16="http://schemas.microsoft.com/office/drawing/2014/main" id="{8E518312-59A6-4FAA-A418-3627996E2DDB}"/>
+              </a:ext>
+            </a:extLst>
+          </p:cNvPr>
+          <p:cNvSpPr txBox="1"/>
+          <p:nvPr/>
+        </p:nvSpPr>
+        <p:spPr>
+          <a:xfrm>
+            <a:off x="1219200" y="1546860"/>
+            <a:ext cx="11493500" cy="5170646"/>
+          </a:xfrm>
+          <a:prstGeom prst="rect">
+            <a:avLst/>
+          </a:prstGeom>
+          <a:noFill/>
+        </p:spPr>
+        <p:txBody>
+          <a:bodyPr wrap="square" rtlCol="0">
+            <a:spAutoFit/>
+          </a:bodyPr>
+          <a:lstStyle/>
+          <a:p>
+            <a:r>
+              <a:rPr lang="en-US" sz="1600" dirty="0"/>
+              <a:t>{</a:t>
+            </a:r>
+          </a:p>
+          <a:p>
+            <a:r>
+              <a:rPr lang="en-US" sz="1600" dirty="0"/>
+              <a:t>    "user": "test3",</a:t>
+            </a:r>
+          </a:p>
+          <a:p>
+            <a:r>
+              <a:rPr lang="en-US" sz="1600" dirty="0"/>
+              <a:t>    "tasks": [</a:t>
+            </a:r>
+          </a:p>
+          <a:p>
+            <a:r>
+              <a:rPr lang="en-US" sz="1600" dirty="0"/>
+              <a:t>        {</a:t>
+            </a:r>
+          </a:p>
+          <a:p>
+            <a:r>
+              <a:rPr lang="en-US" sz="1600" dirty="0"/>
+              <a:t>            "title": "task1",</a:t>
+            </a:r>
+          </a:p>
+          <a:p>
+            <a:r>
+              <a:rPr lang="en-US" sz="1600" dirty="0"/>
+              <a:t>            "text": "description 1",</a:t>
+            </a:r>
+          </a:p>
+          <a:p>
+            <a:r>
+              <a:rPr lang="en-US" sz="1600" dirty="0"/>
+              <a:t>            "solved": True</a:t>
+            </a:r>
+          </a:p>
+          <a:p>
+            <a:r>
+              <a:rPr lang="en-US" sz="1600" dirty="0"/>
+              <a:t>        },</a:t>
+            </a:r>
+          </a:p>
+          <a:p>
+            <a:r>
+              <a:rPr lang="en-US" sz="1600" dirty="0"/>
+              <a:t>        {</a:t>
+            </a:r>
+          </a:p>
+          <a:p>
+            <a:r>
+              <a:rPr lang="en-US" sz="1600" dirty="0"/>
+              <a:t>            "title": "task2",</a:t>
+            </a:r>
+          </a:p>
+          <a:p>
+            <a:r>
+              <a:rPr lang="en-US" sz="1600" dirty="0"/>
+              <a:t>            "text": "description 2",</a:t>
+            </a:r>
+          </a:p>
+          <a:p>
+            <a:r>
+              <a:rPr lang="en-US" sz="1600" dirty="0"/>
+              <a:t>            "solved": True</a:t>
+            </a:r>
+          </a:p>
+          <a:p>
+            <a:r>
+              <a:rPr lang="en-US" sz="1600" dirty="0"/>
+              <a:t>        },</a:t>
+            </a:r>
+          </a:p>
+          <a:p>
+            <a:r>
+              <a:rPr lang="en-US" sz="1600" dirty="0"/>
+              <a:t>        {</a:t>
+            </a:r>
+          </a:p>
+          <a:p>
+            <a:r>
+              <a:rPr lang="en-US" sz="1600" dirty="0"/>
+              <a:t>            "title": "task3",</a:t>
+            </a:r>
+          </a:p>
+          <a:p>
+            <a:r>
+              <a:rPr lang="en-US" sz="1600" dirty="0"/>
+              <a:t>            "text": "description 3",</a:t>
+            </a:r>
+          </a:p>
+          <a:p>
+            <a:r>
+              <a:rPr lang="en-US" sz="1600" dirty="0"/>
+              <a:t>            "solved": True</a:t>
+            </a:r>
+          </a:p>
+          <a:p>
+            <a:r>
+              <a:rPr lang="en-US" sz="1600" dirty="0"/>
+              <a:t>        },</a:t>
+            </a:r>
+          </a:p>
+          <a:p>
+            <a:r>
+              <a:rPr lang="en-US" sz="1600" dirty="0"/>
+              <a:t>    ]</a:t>
+            </a:r>
+          </a:p>
+          <a:p>
+            <a:r>
+              <a:rPr lang="en-US" sz="1600" dirty="0"/>
+              <a:t>}</a:t>
+            </a:r>
+            <a:endParaRPr lang="ru-RU" sz="1600" dirty="0"/>
+          </a:p>
+        </p:txBody>
+      </p:sp>
+      <p:pic>
+        <p:nvPicPr>
+          <p:cNvPr id="11" name="Рисунок 10">
+            <a:extLst>
+              <a:ext uri="{FF2B5EF4-FFF2-40B4-BE49-F238E27FC236}">
+                <a16:creationId xmlns:a16="http://schemas.microsoft.com/office/drawing/2014/main" id="{535E0417-98F0-428B-AB17-FDAD376A4FAB}"/>
+              </a:ext>
+            </a:extLst>
+          </p:cNvPr>
+          <p:cNvPicPr>
+            <a:picLocks noChangeAspect="1"/>
+          </p:cNvPicPr>
+          <p:nvPr/>
+        </p:nvPicPr>
+        <p:blipFill>
+          <a:blip r:embed="rId2"/>
+          <a:stretch>
+            <a:fillRect/>
+          </a:stretch>
+        </p:blipFill>
+        <p:spPr>
+          <a:xfrm>
+            <a:off x="6096000" y="1828800"/>
+            <a:ext cx="5379274" cy="4343400"/>
+          </a:xfrm>
+          <a:prstGeom prst="rect">
+            <a:avLst/>
+          </a:prstGeom>
+        </p:spPr>
+      </p:pic>
+    </p:spTree>
+    <p:extLst>
+      <p:ext uri="{BB962C8B-B14F-4D97-AF65-F5344CB8AC3E}">
+        <p14:creationId xmlns:p14="http://schemas.microsoft.com/office/powerpoint/2010/main" val="2161960506"/>
+      </p:ext>
+    </p:extLst>
+  </p:cSld>
+  <p:clrMapOvr>
+    <a:masterClrMapping/>
+  </p:clrMapOvr>
+</p:sld>
+</file>
+
+<file path=ppt/slides/slide11.xml><?xml version="1.0" encoding="utf-8"?>
+<p:sld xmlns:a="http://schemas.openxmlformats.org/drawingml/2006/main" xmlns:r="http://schemas.openxmlformats.org/officeDocument/2006/relationships" xmlns:p="http://schemas.openxmlformats.org/presentationml/2006/main">
+  <p:cSld>
+    <p:spTree>
+      <p:nvGrpSpPr>
+        <p:cNvPr id="1" name=""/>
+        <p:cNvGrpSpPr/>
+        <p:nvPr/>
+      </p:nvGrpSpPr>
+      <p:grpSpPr>
+        <a:xfrm>
+          <a:off x="0" y="0"/>
+          <a:ext cx="0" cy="0"/>
+          <a:chOff x="0" y="0"/>
+          <a:chExt cx="0" cy="0"/>
+        </a:xfrm>
+      </p:grpSpPr>
+      <p:sp>
+        <p:nvSpPr>
+          <p:cNvPr id="2" name="Заголовок 1">
+            <a:extLst>
+              <a:ext uri="{FF2B5EF4-FFF2-40B4-BE49-F238E27FC236}">
+                <a16:creationId xmlns:a16="http://schemas.microsoft.com/office/drawing/2014/main" id="{B40AAEC3-2068-43A7-8C5A-5B93EA9984FA}"/>
+              </a:ext>
+            </a:extLst>
+          </p:cNvPr>
+          <p:cNvSpPr>
+            <a:spLocks noGrp="1"/>
+          </p:cNvSpPr>
+          <p:nvPr>
+            <p:ph type="ctrTitle"/>
+          </p:nvPr>
+        </p:nvSpPr>
+        <p:spPr>
+          <a:xfrm>
+            <a:off x="1386840" y="1917700"/>
+            <a:ext cx="9418320" cy="1511300"/>
+          </a:xfrm>
+        </p:spPr>
+        <p:txBody>
+          <a:bodyPr>
+            <a:normAutofit fontScale="90000"/>
+          </a:bodyPr>
+          <a:lstStyle/>
+          <a:p>
+            <a:pPr algn="ctr"/>
+            <a:r>
+              <a:rPr lang="ru-RU" dirty="0"/>
+              <a:t>Спасибо за внимание!</a:t>
+            </a:r>
+          </a:p>
+        </p:txBody>
+      </p:sp>
+      <p:sp>
+        <p:nvSpPr>
+          <p:cNvPr id="3" name="Подзаголовок 2">
+            <a:extLst>
+              <a:ext uri="{FF2B5EF4-FFF2-40B4-BE49-F238E27FC236}">
+                <a16:creationId xmlns:a16="http://schemas.microsoft.com/office/drawing/2014/main" id="{4490A8DF-A4CD-4C25-9A3B-EF06660687F9}"/>
+              </a:ext>
+            </a:extLst>
+          </p:cNvPr>
+          <p:cNvSpPr>
+            <a:spLocks noGrp="1"/>
+          </p:cNvSpPr>
+          <p:nvPr>
+            <p:ph type="subTitle" idx="1"/>
+          </p:nvPr>
+        </p:nvSpPr>
+        <p:spPr>
+          <a:xfrm>
+            <a:off x="1386840" y="4813300"/>
+            <a:ext cx="9418320" cy="1691640"/>
+          </a:xfrm>
+        </p:spPr>
+        <p:txBody>
+          <a:bodyPr/>
+          <a:lstStyle/>
+          <a:p>
+            <a:pPr algn="ctr"/>
+            <a:r>
+              <a:rPr lang="ru-RU" dirty="0" err="1"/>
+              <a:t>Клюнин</a:t>
+            </a:r>
+            <a:r>
+              <a:rPr lang="ru-RU" dirty="0"/>
+              <a:t> А.О.</a:t>
+            </a:r>
+          </a:p>
+          <a:p>
+            <a:pPr algn="ctr"/>
+            <a:r>
+              <a:rPr lang="ru-RU" dirty="0"/>
+              <a:t>СПБ ФМЛ №239</a:t>
+            </a:r>
+          </a:p>
+        </p:txBody>
+      </p:sp>
+    </p:spTree>
+    <p:extLst>
+      <p:ext uri="{BB962C8B-B14F-4D97-AF65-F5344CB8AC3E}">
+        <p14:creationId xmlns:p14="http://schemas.microsoft.com/office/powerpoint/2010/main" val="2920802684"/>
+      </p:ext>
+    </p:extLst>
+  </p:cSld>
+  <p:clrMapOvr>
+    <a:masterClrMapping/>
+  </p:clrMapOvr>
+</p:sld>
+</file>
+
 <file path=ppt/slides/slide2.xml><?xml version="1.0" encoding="utf-8"?>
 <p:sld xmlns:a="http://schemas.openxmlformats.org/drawingml/2006/main" xmlns:r="http://schemas.openxmlformats.org/officeDocument/2006/relationships" xmlns:p="http://schemas.openxmlformats.org/presentationml/2006/main">
   <p:cSld>
@@ -3560,20 +3929,18 @@
         </p:nvSpPr>
         <p:spPr>
           <a:xfrm>
-            <a:off x="1386840" y="1917700"/>
-            <a:ext cx="9418320" cy="1511300"/>
+            <a:off x="1680972" y="365760"/>
+            <a:ext cx="9418320" cy="1168400"/>
           </a:xfrm>
         </p:spPr>
         <p:txBody>
-          <a:bodyPr>
-            <a:normAutofit fontScale="90000"/>
-          </a:bodyPr>
+          <a:bodyPr/>
           <a:lstStyle/>
           <a:p>
             <a:pPr algn="ctr"/>
             <a:r>
               <a:rPr lang="ru-RU" dirty="0"/>
-              <a:t>Спасибо за внимание!</a:t>
+              <a:t>Архитектура</a:t>
             </a:r>
           </a:p>
         </p:txBody>
@@ -3596,37 +3963,1504 @@
         </p:nvSpPr>
         <p:spPr>
           <a:xfrm>
-            <a:off x="1386840" y="4813300"/>
-            <a:ext cx="9418320" cy="1691640"/>
+            <a:off x="2197108" y="5323840"/>
+            <a:ext cx="1432560" cy="495300"/>
           </a:xfrm>
         </p:spPr>
         <p:txBody>
           <a:bodyPr/>
           <a:lstStyle/>
           <a:p>
-            <a:pPr algn="ctr"/>
-            <a:r>
-              <a:rPr lang="ru-RU" dirty="0" err="1"/>
-              <a:t>Клюнин</a:t>
-            </a:r>
             <a:r>
               <a:rPr lang="ru-RU" dirty="0"/>
-              <a:t> А.О.</a:t>
-            </a:r>
-          </a:p>
-          <a:p>
-            <a:pPr algn="ctr"/>
+              <a:t>Клиент</a:t>
+            </a:r>
+          </a:p>
+        </p:txBody>
+      </p:sp>
+      <p:pic>
+        <p:nvPicPr>
+          <p:cNvPr id="11" name="Рисунок 10">
+            <a:extLst>
+              <a:ext uri="{FF2B5EF4-FFF2-40B4-BE49-F238E27FC236}">
+                <a16:creationId xmlns:a16="http://schemas.microsoft.com/office/drawing/2014/main" id="{1C07F7AC-D8DC-4C73-9025-1581AD516D23}"/>
+              </a:ext>
+            </a:extLst>
+          </p:cNvPr>
+          <p:cNvPicPr>
+            <a:picLocks noChangeAspect="1"/>
+          </p:cNvPicPr>
+          <p:nvPr/>
+        </p:nvPicPr>
+        <p:blipFill>
+          <a:blip r:embed="rId2">
+            <a:extLst>
+              <a:ext uri="{28A0092B-C50C-407E-A947-70E740481C1C}">
+                <a14:useLocalDpi xmlns:a14="http://schemas.microsoft.com/office/drawing/2010/main" val="0"/>
+              </a:ext>
+            </a:extLst>
+          </a:blip>
+          <a:stretch>
+            <a:fillRect/>
+          </a:stretch>
+        </p:blipFill>
+        <p:spPr>
+          <a:xfrm>
+            <a:off x="1939040" y="1714500"/>
+            <a:ext cx="1948697" cy="3429000"/>
+          </a:xfrm>
+          <a:prstGeom prst="rect">
+            <a:avLst/>
+          </a:prstGeom>
+        </p:spPr>
+      </p:pic>
+      <p:pic>
+        <p:nvPicPr>
+          <p:cNvPr id="13" name="Рисунок 12">
+            <a:extLst>
+              <a:ext uri="{FF2B5EF4-FFF2-40B4-BE49-F238E27FC236}">
+                <a16:creationId xmlns:a16="http://schemas.microsoft.com/office/drawing/2014/main" id="{801B96F4-82A1-4B00-94DC-5B53FD1F457B}"/>
+              </a:ext>
+            </a:extLst>
+          </p:cNvPr>
+          <p:cNvPicPr>
+            <a:picLocks noChangeAspect="1"/>
+          </p:cNvPicPr>
+          <p:nvPr/>
+        </p:nvPicPr>
+        <p:blipFill>
+          <a:blip r:embed="rId3">
+            <a:extLst>
+              <a:ext uri="{28A0092B-C50C-407E-A947-70E740481C1C}">
+                <a14:useLocalDpi xmlns:a14="http://schemas.microsoft.com/office/drawing/2010/main" val="0"/>
+              </a:ext>
+            </a:extLst>
+          </a:blip>
+          <a:stretch>
+            <a:fillRect/>
+          </a:stretch>
+        </p:blipFill>
+        <p:spPr>
+          <a:xfrm>
+            <a:off x="7129012" y="2972197"/>
+            <a:ext cx="2020306" cy="1548604"/>
+          </a:xfrm>
+          <a:prstGeom prst="rect">
+            <a:avLst/>
+          </a:prstGeom>
+        </p:spPr>
+      </p:pic>
+      <p:sp>
+        <p:nvSpPr>
+          <p:cNvPr id="14" name="Подзаголовок 2">
+            <a:extLst>
+              <a:ext uri="{FF2B5EF4-FFF2-40B4-BE49-F238E27FC236}">
+                <a16:creationId xmlns:a16="http://schemas.microsoft.com/office/drawing/2014/main" id="{C11B390C-DDEB-4D23-9713-50583D47B289}"/>
+              </a:ext>
+            </a:extLst>
+          </p:cNvPr>
+          <p:cNvSpPr txBox="1">
+            <a:spLocks/>
+          </p:cNvSpPr>
+          <p:nvPr/>
+        </p:nvSpPr>
+        <p:spPr>
+          <a:xfrm>
+            <a:off x="8750538" y="5323840"/>
+            <a:ext cx="1432560" cy="495300"/>
+          </a:xfrm>
+          <a:prstGeom prst="rect">
+            <a:avLst/>
+          </a:prstGeom>
+        </p:spPr>
+        <p:txBody>
+          <a:bodyPr vert="horz" lIns="91440" tIns="45720" rIns="91440" bIns="45720" rtlCol="0">
+            <a:normAutofit/>
+          </a:bodyPr>
+          <a:lstStyle>
+            <a:lvl1pPr marL="0" indent="0" algn="l" defTabSz="914400" rtl="0" eaLnBrk="1" latinLnBrk="0" hangingPunct="1">
+              <a:lnSpc>
+                <a:spcPct val="95000"/>
+              </a:lnSpc>
+              <a:spcBef>
+                <a:spcPts val="1400"/>
+              </a:spcBef>
+              <a:spcAft>
+                <a:spcPts val="200"/>
+              </a:spcAft>
+              <a:buClr>
+                <a:schemeClr val="accent1"/>
+              </a:buClr>
+              <a:buSzPct val="80000"/>
+              <a:buFont typeface="Arial" pitchFamily="34" charset="0"/>
+              <a:buNone/>
+              <a:defRPr sz="2200" kern="1200" spc="10" baseline="0">
+                <a:solidFill>
+                  <a:schemeClr val="tx1">
+                    <a:lumMod val="75000"/>
+                  </a:schemeClr>
+                </a:solidFill>
+                <a:latin typeface="+mn-lt"/>
+                <a:ea typeface="+mn-ea"/>
+                <a:cs typeface="+mn-cs"/>
+              </a:defRPr>
+            </a:lvl1pPr>
+            <a:lvl2pPr marL="457200" indent="0" algn="ctr" defTabSz="914400" rtl="0" eaLnBrk="1" latinLnBrk="0" hangingPunct="1">
+              <a:lnSpc>
+                <a:spcPct val="90000"/>
+              </a:lnSpc>
+              <a:spcBef>
+                <a:spcPts val="300"/>
+              </a:spcBef>
+              <a:spcAft>
+                <a:spcPts val="300"/>
+              </a:spcAft>
+              <a:buClr>
+                <a:schemeClr val="accent1"/>
+              </a:buClr>
+              <a:buFont typeface="Wingdings 2" pitchFamily="18" charset="2"/>
+              <a:buNone/>
+              <a:defRPr sz="2200" kern="1200">
+                <a:solidFill>
+                  <a:schemeClr val="tx1">
+                    <a:lumMod val="85000"/>
+                    <a:lumOff val="15000"/>
+                  </a:schemeClr>
+                </a:solidFill>
+                <a:latin typeface="+mn-lt"/>
+                <a:ea typeface="+mn-ea"/>
+                <a:cs typeface="+mn-cs"/>
+              </a:defRPr>
+            </a:lvl2pPr>
+            <a:lvl3pPr marL="914400" indent="0" algn="ctr" defTabSz="914400" rtl="0" eaLnBrk="1" latinLnBrk="0" hangingPunct="1">
+              <a:lnSpc>
+                <a:spcPct val="90000"/>
+              </a:lnSpc>
+              <a:spcBef>
+                <a:spcPts val="300"/>
+              </a:spcBef>
+              <a:spcAft>
+                <a:spcPts val="300"/>
+              </a:spcAft>
+              <a:buClr>
+                <a:schemeClr val="accent1"/>
+              </a:buClr>
+              <a:buFont typeface="Wingdings 2" pitchFamily="18" charset="2"/>
+              <a:buNone/>
+              <a:defRPr sz="2200" kern="1200">
+                <a:solidFill>
+                  <a:schemeClr val="tx1">
+                    <a:lumMod val="85000"/>
+                    <a:lumOff val="15000"/>
+                  </a:schemeClr>
+                </a:solidFill>
+                <a:latin typeface="+mn-lt"/>
+                <a:ea typeface="+mn-ea"/>
+                <a:cs typeface="+mn-cs"/>
+              </a:defRPr>
+            </a:lvl3pPr>
+            <a:lvl4pPr marL="1371600" indent="0" algn="ctr" defTabSz="914400" rtl="0" eaLnBrk="1" latinLnBrk="0" hangingPunct="1">
+              <a:lnSpc>
+                <a:spcPct val="90000"/>
+              </a:lnSpc>
+              <a:spcBef>
+                <a:spcPts val="300"/>
+              </a:spcBef>
+              <a:spcAft>
+                <a:spcPts val="300"/>
+              </a:spcAft>
+              <a:buClr>
+                <a:schemeClr val="accent1"/>
+              </a:buClr>
+              <a:buFont typeface="Wingdings 2" pitchFamily="18" charset="2"/>
+              <a:buNone/>
+              <a:defRPr sz="2000" kern="1200">
+                <a:solidFill>
+                  <a:schemeClr val="tx1">
+                    <a:lumMod val="85000"/>
+                    <a:lumOff val="15000"/>
+                  </a:schemeClr>
+                </a:solidFill>
+                <a:latin typeface="+mn-lt"/>
+                <a:ea typeface="+mn-ea"/>
+                <a:cs typeface="+mn-cs"/>
+              </a:defRPr>
+            </a:lvl4pPr>
+            <a:lvl5pPr marL="1828800" indent="0" algn="ctr" defTabSz="914400" rtl="0" eaLnBrk="1" latinLnBrk="0" hangingPunct="1">
+              <a:lnSpc>
+                <a:spcPct val="90000"/>
+              </a:lnSpc>
+              <a:spcBef>
+                <a:spcPts val="300"/>
+              </a:spcBef>
+              <a:spcAft>
+                <a:spcPts val="300"/>
+              </a:spcAft>
+              <a:buClr>
+                <a:schemeClr val="accent1"/>
+              </a:buClr>
+              <a:buFont typeface="Wingdings 2" pitchFamily="18" charset="2"/>
+              <a:buNone/>
+              <a:defRPr sz="2000" kern="1200">
+                <a:solidFill>
+                  <a:schemeClr val="tx1">
+                    <a:lumMod val="85000"/>
+                    <a:lumOff val="15000"/>
+                  </a:schemeClr>
+                </a:solidFill>
+                <a:latin typeface="+mn-lt"/>
+                <a:ea typeface="+mn-ea"/>
+                <a:cs typeface="+mn-cs"/>
+              </a:defRPr>
+            </a:lvl5pPr>
+            <a:lvl6pPr marL="2286000" indent="0" algn="ctr" defTabSz="914400" rtl="0" eaLnBrk="1" latinLnBrk="0" hangingPunct="1">
+              <a:lnSpc>
+                <a:spcPct val="90000"/>
+              </a:lnSpc>
+              <a:spcBef>
+                <a:spcPts val="300"/>
+              </a:spcBef>
+              <a:spcAft>
+                <a:spcPts val="300"/>
+              </a:spcAft>
+              <a:buClr>
+                <a:schemeClr val="accent1"/>
+              </a:buClr>
+              <a:buFont typeface="Wingdings 2" pitchFamily="18" charset="2"/>
+              <a:buNone/>
+              <a:defRPr sz="2000" kern="1200">
+                <a:solidFill>
+                  <a:schemeClr val="tx1">
+                    <a:lumMod val="85000"/>
+                    <a:lumOff val="15000"/>
+                  </a:schemeClr>
+                </a:solidFill>
+                <a:latin typeface="+mn-lt"/>
+                <a:ea typeface="+mn-ea"/>
+                <a:cs typeface="+mn-cs"/>
+              </a:defRPr>
+            </a:lvl6pPr>
+            <a:lvl7pPr marL="2743200" indent="0" algn="ctr" defTabSz="914400" rtl="0" eaLnBrk="1" latinLnBrk="0" hangingPunct="1">
+              <a:lnSpc>
+                <a:spcPct val="90000"/>
+              </a:lnSpc>
+              <a:spcBef>
+                <a:spcPts val="300"/>
+              </a:spcBef>
+              <a:spcAft>
+                <a:spcPts val="300"/>
+              </a:spcAft>
+              <a:buClr>
+                <a:schemeClr val="accent1"/>
+              </a:buClr>
+              <a:buFont typeface="Wingdings 2" pitchFamily="18" charset="2"/>
+              <a:buNone/>
+              <a:defRPr sz="2000" kern="1200">
+                <a:solidFill>
+                  <a:schemeClr val="tx1">
+                    <a:lumMod val="85000"/>
+                    <a:lumOff val="15000"/>
+                  </a:schemeClr>
+                </a:solidFill>
+                <a:latin typeface="+mn-lt"/>
+                <a:ea typeface="+mn-ea"/>
+                <a:cs typeface="+mn-cs"/>
+              </a:defRPr>
+            </a:lvl7pPr>
+            <a:lvl8pPr marL="3200400" indent="0" algn="ctr" defTabSz="914400" rtl="0" eaLnBrk="1" latinLnBrk="0" hangingPunct="1">
+              <a:lnSpc>
+                <a:spcPct val="90000"/>
+              </a:lnSpc>
+              <a:spcBef>
+                <a:spcPts val="300"/>
+              </a:spcBef>
+              <a:spcAft>
+                <a:spcPts val="300"/>
+              </a:spcAft>
+              <a:buClr>
+                <a:schemeClr val="accent1"/>
+              </a:buClr>
+              <a:buFont typeface="Wingdings 2" pitchFamily="18" charset="2"/>
+              <a:buNone/>
+              <a:defRPr sz="2000" kern="1200">
+                <a:solidFill>
+                  <a:schemeClr val="tx1">
+                    <a:lumMod val="85000"/>
+                    <a:lumOff val="15000"/>
+                  </a:schemeClr>
+                </a:solidFill>
+                <a:latin typeface="+mn-lt"/>
+                <a:ea typeface="+mn-ea"/>
+                <a:cs typeface="+mn-cs"/>
+              </a:defRPr>
+            </a:lvl8pPr>
+            <a:lvl9pPr marL="3657600" indent="0" algn="ctr" defTabSz="914400" rtl="0" eaLnBrk="1" latinLnBrk="0" hangingPunct="1">
+              <a:lnSpc>
+                <a:spcPct val="90000"/>
+              </a:lnSpc>
+              <a:spcBef>
+                <a:spcPts val="300"/>
+              </a:spcBef>
+              <a:spcAft>
+                <a:spcPts val="300"/>
+              </a:spcAft>
+              <a:buClr>
+                <a:schemeClr val="accent1"/>
+              </a:buClr>
+              <a:buFont typeface="Wingdings 2" pitchFamily="18" charset="2"/>
+              <a:buNone/>
+              <a:defRPr sz="2000" kern="1200">
+                <a:solidFill>
+                  <a:schemeClr val="tx1">
+                    <a:lumMod val="85000"/>
+                    <a:lumOff val="15000"/>
+                  </a:schemeClr>
+                </a:solidFill>
+                <a:latin typeface="+mn-lt"/>
+                <a:ea typeface="+mn-ea"/>
+                <a:cs typeface="+mn-cs"/>
+              </a:defRPr>
+            </a:lvl9pPr>
+          </a:lstStyle>
+          <a:p>
             <a:r>
               <a:rPr lang="ru-RU" dirty="0"/>
-              <a:t>СПБ ФМЛ №239</a:t>
-            </a:r>
-          </a:p>
-        </p:txBody>
-      </p:sp>
+              <a:t>Сервер</a:t>
+            </a:r>
+          </a:p>
+          <a:p>
+            <a:endParaRPr lang="ru-RU" dirty="0"/>
+          </a:p>
+        </p:txBody>
+      </p:sp>
+      <p:pic>
+        <p:nvPicPr>
+          <p:cNvPr id="5" name="Рисунок 4">
+            <a:extLst>
+              <a:ext uri="{FF2B5EF4-FFF2-40B4-BE49-F238E27FC236}">
+                <a16:creationId xmlns:a16="http://schemas.microsoft.com/office/drawing/2014/main" id="{5A14AE55-CD34-4B30-AB47-9A4F9E256426}"/>
+              </a:ext>
+            </a:extLst>
+          </p:cNvPr>
+          <p:cNvPicPr>
+            <a:picLocks noChangeAspect="1"/>
+          </p:cNvPicPr>
+          <p:nvPr/>
+        </p:nvPicPr>
+        <p:blipFill>
+          <a:blip r:embed="rId4">
+            <a:extLst>
+              <a:ext uri="{28A0092B-C50C-407E-A947-70E740481C1C}">
+                <a14:useLocalDpi xmlns:a14="http://schemas.microsoft.com/office/drawing/2010/main" val="0"/>
+              </a:ext>
+            </a:extLst>
+          </a:blip>
+          <a:stretch>
+            <a:fillRect/>
+          </a:stretch>
+        </p:blipFill>
+        <p:spPr>
+          <a:xfrm>
+            <a:off x="9962289" y="2972196"/>
+            <a:ext cx="1548605" cy="1548605"/>
+          </a:xfrm>
+          <a:prstGeom prst="rect">
+            <a:avLst/>
+          </a:prstGeom>
+        </p:spPr>
+      </p:pic>
     </p:spTree>
     <p:extLst>
       <p:ext uri="{BB962C8B-B14F-4D97-AF65-F5344CB8AC3E}">
-        <p14:creationId xmlns:p14="http://schemas.microsoft.com/office/powerpoint/2010/main" val="2920802684"/>
+        <p14:creationId xmlns:p14="http://schemas.microsoft.com/office/powerpoint/2010/main" val="4000031549"/>
+      </p:ext>
+    </p:extLst>
+  </p:cSld>
+  <p:clrMapOvr>
+    <a:masterClrMapping/>
+  </p:clrMapOvr>
+</p:sld>
+</file>
+
+<file path=ppt/slides/slide3.xml><?xml version="1.0" encoding="utf-8"?>
+<p:sld xmlns:a="http://schemas.openxmlformats.org/drawingml/2006/main" xmlns:r="http://schemas.openxmlformats.org/officeDocument/2006/relationships" xmlns:p="http://schemas.openxmlformats.org/presentationml/2006/main">
+  <p:cSld>
+    <p:spTree>
+      <p:nvGrpSpPr>
+        <p:cNvPr id="1" name=""/>
+        <p:cNvGrpSpPr/>
+        <p:nvPr/>
+      </p:nvGrpSpPr>
+      <p:grpSpPr>
+        <a:xfrm>
+          <a:off x="0" y="0"/>
+          <a:ext cx="0" cy="0"/>
+          <a:chOff x="0" y="0"/>
+          <a:chExt cx="0" cy="0"/>
+        </a:xfrm>
+      </p:grpSpPr>
+      <p:sp>
+        <p:nvSpPr>
+          <p:cNvPr id="2" name="Заголовок 1">
+            <a:extLst>
+              <a:ext uri="{FF2B5EF4-FFF2-40B4-BE49-F238E27FC236}">
+                <a16:creationId xmlns:a16="http://schemas.microsoft.com/office/drawing/2014/main" id="{B40AAEC3-2068-43A7-8C5A-5B93EA9984FA}"/>
+              </a:ext>
+            </a:extLst>
+          </p:cNvPr>
+          <p:cNvSpPr>
+            <a:spLocks noGrp="1"/>
+          </p:cNvSpPr>
+          <p:nvPr>
+            <p:ph type="ctrTitle"/>
+          </p:nvPr>
+        </p:nvSpPr>
+        <p:spPr>
+          <a:xfrm>
+            <a:off x="1680972" y="365760"/>
+            <a:ext cx="9418320" cy="1168400"/>
+          </a:xfrm>
+        </p:spPr>
+        <p:txBody>
+          <a:bodyPr/>
+          <a:lstStyle/>
+          <a:p>
+            <a:pPr algn="ctr"/>
+            <a:r>
+              <a:rPr lang="ru-RU" dirty="0"/>
+              <a:t>Список</a:t>
+            </a:r>
+          </a:p>
+        </p:txBody>
+      </p:sp>
+      <p:pic>
+        <p:nvPicPr>
+          <p:cNvPr id="7" name="Рисунок 6">
+            <a:extLst>
+              <a:ext uri="{FF2B5EF4-FFF2-40B4-BE49-F238E27FC236}">
+                <a16:creationId xmlns:a16="http://schemas.microsoft.com/office/drawing/2014/main" id="{B639C79B-FC77-4380-B466-9D524417A6D2}"/>
+              </a:ext>
+            </a:extLst>
+          </p:cNvPr>
+          <p:cNvPicPr>
+            <a:picLocks noChangeAspect="1"/>
+          </p:cNvPicPr>
+          <p:nvPr/>
+        </p:nvPicPr>
+        <p:blipFill>
+          <a:blip r:embed="rId2">
+            <a:extLst>
+              <a:ext uri="{28A0092B-C50C-407E-A947-70E740481C1C}">
+                <a14:useLocalDpi xmlns:a14="http://schemas.microsoft.com/office/drawing/2010/main" val="0"/>
+              </a:ext>
+            </a:extLst>
+          </a:blip>
+          <a:stretch>
+            <a:fillRect/>
+          </a:stretch>
+        </p:blipFill>
+        <p:spPr>
+          <a:xfrm>
+            <a:off x="2277872" y="1786922"/>
+            <a:ext cx="8021828" cy="4512278"/>
+          </a:xfrm>
+          <a:prstGeom prst="rect">
+            <a:avLst/>
+          </a:prstGeom>
+        </p:spPr>
+      </p:pic>
+    </p:spTree>
+    <p:extLst>
+      <p:ext uri="{BB962C8B-B14F-4D97-AF65-F5344CB8AC3E}">
+        <p14:creationId xmlns:p14="http://schemas.microsoft.com/office/powerpoint/2010/main" val="2517623202"/>
+      </p:ext>
+    </p:extLst>
+  </p:cSld>
+  <p:clrMapOvr>
+    <a:masterClrMapping/>
+  </p:clrMapOvr>
+</p:sld>
+</file>
+
+<file path=ppt/slides/slide4.xml><?xml version="1.0" encoding="utf-8"?>
+<p:sld xmlns:a="http://schemas.openxmlformats.org/drawingml/2006/main" xmlns:r="http://schemas.openxmlformats.org/officeDocument/2006/relationships" xmlns:p="http://schemas.openxmlformats.org/presentationml/2006/main">
+  <p:cSld>
+    <p:spTree>
+      <p:nvGrpSpPr>
+        <p:cNvPr id="1" name=""/>
+        <p:cNvGrpSpPr/>
+        <p:nvPr/>
+      </p:nvGrpSpPr>
+      <p:grpSpPr>
+        <a:xfrm>
+          <a:off x="0" y="0"/>
+          <a:ext cx="0" cy="0"/>
+          <a:chOff x="0" y="0"/>
+          <a:chExt cx="0" cy="0"/>
+        </a:xfrm>
+      </p:grpSpPr>
+      <p:sp>
+        <p:nvSpPr>
+          <p:cNvPr id="2" name="Заголовок 1">
+            <a:extLst>
+              <a:ext uri="{FF2B5EF4-FFF2-40B4-BE49-F238E27FC236}">
+                <a16:creationId xmlns:a16="http://schemas.microsoft.com/office/drawing/2014/main" id="{B40AAEC3-2068-43A7-8C5A-5B93EA9984FA}"/>
+              </a:ext>
+            </a:extLst>
+          </p:cNvPr>
+          <p:cNvSpPr>
+            <a:spLocks noGrp="1"/>
+          </p:cNvSpPr>
+          <p:nvPr>
+            <p:ph type="ctrTitle"/>
+          </p:nvPr>
+        </p:nvSpPr>
+        <p:spPr>
+          <a:xfrm>
+            <a:off x="1680972" y="365760"/>
+            <a:ext cx="9418320" cy="1168400"/>
+          </a:xfrm>
+        </p:spPr>
+        <p:txBody>
+          <a:bodyPr/>
+          <a:lstStyle/>
+          <a:p>
+            <a:pPr algn="ctr"/>
+            <a:r>
+              <a:rPr lang="ru-RU" dirty="0"/>
+              <a:t>Детализация</a:t>
+            </a:r>
+          </a:p>
+        </p:txBody>
+      </p:sp>
+      <p:pic>
+        <p:nvPicPr>
+          <p:cNvPr id="4" name="Рисунок 3">
+            <a:extLst>
+              <a:ext uri="{FF2B5EF4-FFF2-40B4-BE49-F238E27FC236}">
+                <a16:creationId xmlns:a16="http://schemas.microsoft.com/office/drawing/2014/main" id="{040AB10C-C3D3-4749-A68D-8044DF8FEF02}"/>
+              </a:ext>
+            </a:extLst>
+          </p:cNvPr>
+          <p:cNvPicPr>
+            <a:picLocks noChangeAspect="1"/>
+          </p:cNvPicPr>
+          <p:nvPr/>
+        </p:nvPicPr>
+        <p:blipFill>
+          <a:blip r:embed="rId2">
+            <a:extLst>
+              <a:ext uri="{28A0092B-C50C-407E-A947-70E740481C1C}">
+                <a14:useLocalDpi xmlns:a14="http://schemas.microsoft.com/office/drawing/2010/main" val="0"/>
+              </a:ext>
+            </a:extLst>
+          </a:blip>
+          <a:stretch>
+            <a:fillRect/>
+          </a:stretch>
+        </p:blipFill>
+        <p:spPr>
+          <a:xfrm>
+            <a:off x="3619500" y="9969500"/>
+            <a:ext cx="6502400" cy="3657600"/>
+          </a:xfrm>
+          <a:prstGeom prst="rect">
+            <a:avLst/>
+          </a:prstGeom>
+        </p:spPr>
+      </p:pic>
+      <p:pic>
+        <p:nvPicPr>
+          <p:cNvPr id="6" name="Рисунок 5">
+            <a:extLst>
+              <a:ext uri="{FF2B5EF4-FFF2-40B4-BE49-F238E27FC236}">
+                <a16:creationId xmlns:a16="http://schemas.microsoft.com/office/drawing/2014/main" id="{F227648A-7952-41A9-9E23-106A950D4805}"/>
+              </a:ext>
+            </a:extLst>
+          </p:cNvPr>
+          <p:cNvPicPr>
+            <a:picLocks noChangeAspect="1"/>
+          </p:cNvPicPr>
+          <p:nvPr/>
+        </p:nvPicPr>
+        <p:blipFill>
+          <a:blip r:embed="rId3">
+            <a:extLst>
+              <a:ext uri="{28A0092B-C50C-407E-A947-70E740481C1C}">
+                <a14:useLocalDpi xmlns:a14="http://schemas.microsoft.com/office/drawing/2010/main" val="0"/>
+              </a:ext>
+            </a:extLst>
+          </a:blip>
+          <a:stretch>
+            <a:fillRect/>
+          </a:stretch>
+        </p:blipFill>
+        <p:spPr>
+          <a:xfrm>
+            <a:off x="2286000" y="1680019"/>
+            <a:ext cx="8257032" cy="4644581"/>
+          </a:xfrm>
+          <a:prstGeom prst="rect">
+            <a:avLst/>
+          </a:prstGeom>
+        </p:spPr>
+      </p:pic>
+    </p:spTree>
+    <p:extLst>
+      <p:ext uri="{BB962C8B-B14F-4D97-AF65-F5344CB8AC3E}">
+        <p14:creationId xmlns:p14="http://schemas.microsoft.com/office/powerpoint/2010/main" val="929225491"/>
+      </p:ext>
+    </p:extLst>
+  </p:cSld>
+  <p:clrMapOvr>
+    <a:masterClrMapping/>
+  </p:clrMapOvr>
+</p:sld>
+</file>
+
+<file path=ppt/slides/slide5.xml><?xml version="1.0" encoding="utf-8"?>
+<p:sld xmlns:a="http://schemas.openxmlformats.org/drawingml/2006/main" xmlns:r="http://schemas.openxmlformats.org/officeDocument/2006/relationships" xmlns:p="http://schemas.openxmlformats.org/presentationml/2006/main">
+  <p:cSld>
+    <p:spTree>
+      <p:nvGrpSpPr>
+        <p:cNvPr id="1" name=""/>
+        <p:cNvGrpSpPr/>
+        <p:nvPr/>
+      </p:nvGrpSpPr>
+      <p:grpSpPr>
+        <a:xfrm>
+          <a:off x="0" y="0"/>
+          <a:ext cx="0" cy="0"/>
+          <a:chOff x="0" y="0"/>
+          <a:chExt cx="0" cy="0"/>
+        </a:xfrm>
+      </p:grpSpPr>
+      <p:sp>
+        <p:nvSpPr>
+          <p:cNvPr id="2" name="Заголовок 1">
+            <a:extLst>
+              <a:ext uri="{FF2B5EF4-FFF2-40B4-BE49-F238E27FC236}">
+                <a16:creationId xmlns:a16="http://schemas.microsoft.com/office/drawing/2014/main" id="{B40AAEC3-2068-43A7-8C5A-5B93EA9984FA}"/>
+              </a:ext>
+            </a:extLst>
+          </p:cNvPr>
+          <p:cNvSpPr>
+            <a:spLocks noGrp="1"/>
+          </p:cNvSpPr>
+          <p:nvPr>
+            <p:ph type="ctrTitle"/>
+          </p:nvPr>
+        </p:nvSpPr>
+        <p:spPr>
+          <a:xfrm>
+            <a:off x="1680972" y="365760"/>
+            <a:ext cx="9418320" cy="1168400"/>
+          </a:xfrm>
+        </p:spPr>
+        <p:txBody>
+          <a:bodyPr/>
+          <a:lstStyle/>
+          <a:p>
+            <a:pPr algn="ctr"/>
+            <a:r>
+              <a:rPr lang="ru-RU" dirty="0"/>
+              <a:t>Удаление</a:t>
+            </a:r>
+          </a:p>
+        </p:txBody>
+      </p:sp>
+      <p:pic>
+        <p:nvPicPr>
+          <p:cNvPr id="5" name="Рисунок 4">
+            <a:extLst>
+              <a:ext uri="{FF2B5EF4-FFF2-40B4-BE49-F238E27FC236}">
+                <a16:creationId xmlns:a16="http://schemas.microsoft.com/office/drawing/2014/main" id="{4FC801C6-F14E-457B-95C2-0402B16AAF0C}"/>
+              </a:ext>
+            </a:extLst>
+          </p:cNvPr>
+          <p:cNvPicPr>
+            <a:picLocks noChangeAspect="1"/>
+          </p:cNvPicPr>
+          <p:nvPr/>
+        </p:nvPicPr>
+        <p:blipFill>
+          <a:blip r:embed="rId2">
+            <a:extLst>
+              <a:ext uri="{28A0092B-C50C-407E-A947-70E740481C1C}">
+                <a14:useLocalDpi xmlns:a14="http://schemas.microsoft.com/office/drawing/2010/main" val="0"/>
+              </a:ext>
+            </a:extLst>
+          </a:blip>
+          <a:stretch>
+            <a:fillRect/>
+          </a:stretch>
+        </p:blipFill>
+        <p:spPr>
+          <a:xfrm>
+            <a:off x="2565315" y="1856580"/>
+            <a:ext cx="7649633" cy="4302919"/>
+          </a:xfrm>
+          <a:prstGeom prst="rect">
+            <a:avLst/>
+          </a:prstGeom>
+        </p:spPr>
+      </p:pic>
+    </p:spTree>
+    <p:extLst>
+      <p:ext uri="{BB962C8B-B14F-4D97-AF65-F5344CB8AC3E}">
+        <p14:creationId xmlns:p14="http://schemas.microsoft.com/office/powerpoint/2010/main" val="3813798395"/>
+      </p:ext>
+    </p:extLst>
+  </p:cSld>
+  <p:clrMapOvr>
+    <a:masterClrMapping/>
+  </p:clrMapOvr>
+</p:sld>
+</file>
+
+<file path=ppt/slides/slide6.xml><?xml version="1.0" encoding="utf-8"?>
+<p:sld xmlns:a="http://schemas.openxmlformats.org/drawingml/2006/main" xmlns:r="http://schemas.openxmlformats.org/officeDocument/2006/relationships" xmlns:p="http://schemas.openxmlformats.org/presentationml/2006/main">
+  <p:cSld>
+    <p:spTree>
+      <p:nvGrpSpPr>
+        <p:cNvPr id="1" name=""/>
+        <p:cNvGrpSpPr/>
+        <p:nvPr/>
+      </p:nvGrpSpPr>
+      <p:grpSpPr>
+        <a:xfrm>
+          <a:off x="0" y="0"/>
+          <a:ext cx="0" cy="0"/>
+          <a:chOff x="0" y="0"/>
+          <a:chExt cx="0" cy="0"/>
+        </a:xfrm>
+      </p:grpSpPr>
+      <p:sp>
+        <p:nvSpPr>
+          <p:cNvPr id="2" name="Заголовок 1">
+            <a:extLst>
+              <a:ext uri="{FF2B5EF4-FFF2-40B4-BE49-F238E27FC236}">
+                <a16:creationId xmlns:a16="http://schemas.microsoft.com/office/drawing/2014/main" id="{B40AAEC3-2068-43A7-8C5A-5B93EA9984FA}"/>
+              </a:ext>
+            </a:extLst>
+          </p:cNvPr>
+          <p:cNvSpPr>
+            <a:spLocks noGrp="1"/>
+          </p:cNvSpPr>
+          <p:nvPr>
+            <p:ph type="ctrTitle"/>
+          </p:nvPr>
+        </p:nvSpPr>
+        <p:spPr>
+          <a:xfrm>
+            <a:off x="1680972" y="365760"/>
+            <a:ext cx="9418320" cy="1168400"/>
+          </a:xfrm>
+        </p:spPr>
+        <p:txBody>
+          <a:bodyPr/>
+          <a:lstStyle/>
+          <a:p>
+            <a:pPr algn="ctr"/>
+            <a:r>
+              <a:rPr lang="ru-RU" dirty="0"/>
+              <a:t>Удаление</a:t>
+            </a:r>
+          </a:p>
+        </p:txBody>
+      </p:sp>
+      <p:pic>
+        <p:nvPicPr>
+          <p:cNvPr id="5" name="Рисунок 4">
+            <a:extLst>
+              <a:ext uri="{FF2B5EF4-FFF2-40B4-BE49-F238E27FC236}">
+                <a16:creationId xmlns:a16="http://schemas.microsoft.com/office/drawing/2014/main" id="{4FC801C6-F14E-457B-95C2-0402B16AAF0C}"/>
+              </a:ext>
+            </a:extLst>
+          </p:cNvPr>
+          <p:cNvPicPr>
+            <a:picLocks noChangeAspect="1"/>
+          </p:cNvPicPr>
+          <p:nvPr/>
+        </p:nvPicPr>
+        <p:blipFill>
+          <a:blip r:embed="rId2">
+            <a:extLst>
+              <a:ext uri="{28A0092B-C50C-407E-A947-70E740481C1C}">
+                <a14:useLocalDpi xmlns:a14="http://schemas.microsoft.com/office/drawing/2010/main" val="0"/>
+              </a:ext>
+            </a:extLst>
+          </a:blip>
+          <a:stretch>
+            <a:fillRect/>
+          </a:stretch>
+        </p:blipFill>
+        <p:spPr>
+          <a:xfrm>
+            <a:off x="2565315" y="1856580"/>
+            <a:ext cx="7649633" cy="4302919"/>
+          </a:xfrm>
+          <a:prstGeom prst="rect">
+            <a:avLst/>
+          </a:prstGeom>
+        </p:spPr>
+      </p:pic>
+    </p:spTree>
+    <p:extLst>
+      <p:ext uri="{BB962C8B-B14F-4D97-AF65-F5344CB8AC3E}">
+        <p14:creationId xmlns:p14="http://schemas.microsoft.com/office/powerpoint/2010/main" val="2399013628"/>
+      </p:ext>
+    </p:extLst>
+  </p:cSld>
+  <p:clrMapOvr>
+    <a:masterClrMapping/>
+  </p:clrMapOvr>
+</p:sld>
+</file>
+
+<file path=ppt/slides/slide7.xml><?xml version="1.0" encoding="utf-8"?>
+<p:sld xmlns:a="http://schemas.openxmlformats.org/drawingml/2006/main" xmlns:r="http://schemas.openxmlformats.org/officeDocument/2006/relationships" xmlns:p="http://schemas.openxmlformats.org/presentationml/2006/main">
+  <p:cSld>
+    <p:spTree>
+      <p:nvGrpSpPr>
+        <p:cNvPr id="1" name=""/>
+        <p:cNvGrpSpPr/>
+        <p:nvPr/>
+      </p:nvGrpSpPr>
+      <p:grpSpPr>
+        <a:xfrm>
+          <a:off x="0" y="0"/>
+          <a:ext cx="0" cy="0"/>
+          <a:chOff x="0" y="0"/>
+          <a:chExt cx="0" cy="0"/>
+        </a:xfrm>
+      </p:grpSpPr>
+      <p:sp>
+        <p:nvSpPr>
+          <p:cNvPr id="2" name="Заголовок 1">
+            <a:extLst>
+              <a:ext uri="{FF2B5EF4-FFF2-40B4-BE49-F238E27FC236}">
+                <a16:creationId xmlns:a16="http://schemas.microsoft.com/office/drawing/2014/main" id="{B40AAEC3-2068-43A7-8C5A-5B93EA9984FA}"/>
+              </a:ext>
+            </a:extLst>
+          </p:cNvPr>
+          <p:cNvSpPr>
+            <a:spLocks noGrp="1"/>
+          </p:cNvSpPr>
+          <p:nvPr>
+            <p:ph type="ctrTitle"/>
+          </p:nvPr>
+        </p:nvSpPr>
+        <p:spPr>
+          <a:xfrm>
+            <a:off x="1680972" y="365760"/>
+            <a:ext cx="9418320" cy="1168400"/>
+          </a:xfrm>
+        </p:spPr>
+        <p:txBody>
+          <a:bodyPr/>
+          <a:lstStyle/>
+          <a:p>
+            <a:pPr algn="ctr"/>
+            <a:r>
+              <a:rPr lang="ru-RU" dirty="0"/>
+              <a:t>Публикация</a:t>
+            </a:r>
+          </a:p>
+        </p:txBody>
+      </p:sp>
+      <p:pic>
+        <p:nvPicPr>
+          <p:cNvPr id="6" name="Рисунок 5">
+            <a:extLst>
+              <a:ext uri="{FF2B5EF4-FFF2-40B4-BE49-F238E27FC236}">
+                <a16:creationId xmlns:a16="http://schemas.microsoft.com/office/drawing/2014/main" id="{85D9A4E4-D484-4692-9858-6F066B0D0663}"/>
+              </a:ext>
+            </a:extLst>
+          </p:cNvPr>
+          <p:cNvPicPr>
+            <a:picLocks noChangeAspect="1"/>
+          </p:cNvPicPr>
+          <p:nvPr/>
+        </p:nvPicPr>
+        <p:blipFill>
+          <a:blip r:embed="rId2">
+            <a:extLst>
+              <a:ext uri="{28A0092B-C50C-407E-A947-70E740481C1C}">
+                <a14:useLocalDpi xmlns:a14="http://schemas.microsoft.com/office/drawing/2010/main" val="0"/>
+              </a:ext>
+            </a:extLst>
+          </a:blip>
+          <a:stretch>
+            <a:fillRect/>
+          </a:stretch>
+        </p:blipFill>
+        <p:spPr>
+          <a:xfrm>
+            <a:off x="2277872" y="1786922"/>
+            <a:ext cx="8021828" cy="4512278"/>
+          </a:xfrm>
+          <a:prstGeom prst="rect">
+            <a:avLst/>
+          </a:prstGeom>
+        </p:spPr>
+      </p:pic>
+    </p:spTree>
+    <p:extLst>
+      <p:ext uri="{BB962C8B-B14F-4D97-AF65-F5344CB8AC3E}">
+        <p14:creationId xmlns:p14="http://schemas.microsoft.com/office/powerpoint/2010/main" val="1520025344"/>
+      </p:ext>
+    </p:extLst>
+  </p:cSld>
+  <p:clrMapOvr>
+    <a:masterClrMapping/>
+  </p:clrMapOvr>
+</p:sld>
+</file>
+
+<file path=ppt/slides/slide8.xml><?xml version="1.0" encoding="utf-8"?>
+<p:sld xmlns:a="http://schemas.openxmlformats.org/drawingml/2006/main" xmlns:r="http://schemas.openxmlformats.org/officeDocument/2006/relationships" xmlns:p="http://schemas.openxmlformats.org/presentationml/2006/main">
+  <p:cSld>
+    <p:spTree>
+      <p:nvGrpSpPr>
+        <p:cNvPr id="1" name=""/>
+        <p:cNvGrpSpPr/>
+        <p:nvPr/>
+      </p:nvGrpSpPr>
+      <p:grpSpPr>
+        <a:xfrm>
+          <a:off x="0" y="0"/>
+          <a:ext cx="0" cy="0"/>
+          <a:chOff x="0" y="0"/>
+          <a:chExt cx="0" cy="0"/>
+        </a:xfrm>
+      </p:grpSpPr>
+      <p:sp>
+        <p:nvSpPr>
+          <p:cNvPr id="2" name="Заголовок 1">
+            <a:extLst>
+              <a:ext uri="{FF2B5EF4-FFF2-40B4-BE49-F238E27FC236}">
+                <a16:creationId xmlns:a16="http://schemas.microsoft.com/office/drawing/2014/main" id="{B40AAEC3-2068-43A7-8C5A-5B93EA9984FA}"/>
+              </a:ext>
+            </a:extLst>
+          </p:cNvPr>
+          <p:cNvSpPr>
+            <a:spLocks noGrp="1"/>
+          </p:cNvSpPr>
+          <p:nvPr>
+            <p:ph type="ctrTitle"/>
+          </p:nvPr>
+        </p:nvSpPr>
+        <p:spPr>
+          <a:xfrm>
+            <a:off x="1680972" y="365760"/>
+            <a:ext cx="9418320" cy="1168400"/>
+          </a:xfrm>
+        </p:spPr>
+        <p:txBody>
+          <a:bodyPr/>
+          <a:lstStyle/>
+          <a:p>
+            <a:pPr algn="ctr"/>
+            <a:r>
+              <a:rPr lang="ru-RU" dirty="0"/>
+              <a:t>Авторизация</a:t>
+            </a:r>
+          </a:p>
+        </p:txBody>
+      </p:sp>
+      <p:pic>
+        <p:nvPicPr>
+          <p:cNvPr id="4" name="Рисунок 3">
+            <a:extLst>
+              <a:ext uri="{FF2B5EF4-FFF2-40B4-BE49-F238E27FC236}">
+                <a16:creationId xmlns:a16="http://schemas.microsoft.com/office/drawing/2014/main" id="{DB858735-F78D-4F76-9873-EFFF789C024C}"/>
+              </a:ext>
+            </a:extLst>
+          </p:cNvPr>
+          <p:cNvPicPr>
+            <a:picLocks noChangeAspect="1"/>
+          </p:cNvPicPr>
+          <p:nvPr/>
+        </p:nvPicPr>
+        <p:blipFill>
+          <a:blip r:embed="rId2">
+            <a:extLst>
+              <a:ext uri="{28A0092B-C50C-407E-A947-70E740481C1C}">
+                <a14:useLocalDpi xmlns:a14="http://schemas.microsoft.com/office/drawing/2010/main" val="0"/>
+              </a:ext>
+            </a:extLst>
+          </a:blip>
+          <a:stretch>
+            <a:fillRect/>
+          </a:stretch>
+        </p:blipFill>
+        <p:spPr>
+          <a:xfrm>
+            <a:off x="2400301" y="1739900"/>
+            <a:ext cx="7766049" cy="4368403"/>
+          </a:xfrm>
+          <a:prstGeom prst="rect">
+            <a:avLst/>
+          </a:prstGeom>
+        </p:spPr>
+      </p:pic>
+    </p:spTree>
+    <p:extLst>
+      <p:ext uri="{BB962C8B-B14F-4D97-AF65-F5344CB8AC3E}">
+        <p14:creationId xmlns:p14="http://schemas.microsoft.com/office/powerpoint/2010/main" val="698535250"/>
+      </p:ext>
+    </p:extLst>
+  </p:cSld>
+  <p:clrMapOvr>
+    <a:masterClrMapping/>
+  </p:clrMapOvr>
+</p:sld>
+</file>
+
+<file path=ppt/slides/slide9.xml><?xml version="1.0" encoding="utf-8"?>
+<p:sld xmlns:a="http://schemas.openxmlformats.org/drawingml/2006/main" xmlns:r="http://schemas.openxmlformats.org/officeDocument/2006/relationships" xmlns:p="http://schemas.openxmlformats.org/presentationml/2006/main">
+  <p:cSld>
+    <p:spTree>
+      <p:nvGrpSpPr>
+        <p:cNvPr id="1" name=""/>
+        <p:cNvGrpSpPr/>
+        <p:nvPr/>
+      </p:nvGrpSpPr>
+      <p:grpSpPr>
+        <a:xfrm>
+          <a:off x="0" y="0"/>
+          <a:ext cx="0" cy="0"/>
+          <a:chOff x="0" y="0"/>
+          <a:chExt cx="0" cy="0"/>
+        </a:xfrm>
+      </p:grpSpPr>
+      <p:sp>
+        <p:nvSpPr>
+          <p:cNvPr id="2" name="Заголовок 1">
+            <a:extLst>
+              <a:ext uri="{FF2B5EF4-FFF2-40B4-BE49-F238E27FC236}">
+                <a16:creationId xmlns:a16="http://schemas.microsoft.com/office/drawing/2014/main" id="{B40AAEC3-2068-43A7-8C5A-5B93EA9984FA}"/>
+              </a:ext>
+            </a:extLst>
+          </p:cNvPr>
+          <p:cNvSpPr>
+            <a:spLocks noGrp="1"/>
+          </p:cNvSpPr>
+          <p:nvPr>
+            <p:ph type="ctrTitle"/>
+          </p:nvPr>
+        </p:nvSpPr>
+        <p:spPr>
+          <a:xfrm>
+            <a:off x="1680972" y="365760"/>
+            <a:ext cx="9418320" cy="1168400"/>
+          </a:xfrm>
+        </p:spPr>
+        <p:txBody>
+          <a:bodyPr/>
+          <a:lstStyle/>
+          <a:p>
+            <a:pPr algn="ctr"/>
+            <a:r>
+              <a:rPr lang="ru-RU" dirty="0"/>
+              <a:t>Отправка</a:t>
+            </a:r>
+          </a:p>
+        </p:txBody>
+      </p:sp>
+      <p:pic>
+        <p:nvPicPr>
+          <p:cNvPr id="5" name="Рисунок 4">
+            <a:extLst>
+              <a:ext uri="{FF2B5EF4-FFF2-40B4-BE49-F238E27FC236}">
+                <a16:creationId xmlns:a16="http://schemas.microsoft.com/office/drawing/2014/main" id="{1729EC5C-B461-450E-B248-B4FB2C1D6D6C}"/>
+              </a:ext>
+            </a:extLst>
+          </p:cNvPr>
+          <p:cNvPicPr>
+            <a:picLocks noChangeAspect="1"/>
+          </p:cNvPicPr>
+          <p:nvPr/>
+        </p:nvPicPr>
+        <p:blipFill>
+          <a:blip r:embed="rId2">
+            <a:extLst>
+              <a:ext uri="{28A0092B-C50C-407E-A947-70E740481C1C}">
+                <a14:useLocalDpi xmlns:a14="http://schemas.microsoft.com/office/drawing/2010/main" val="0"/>
+              </a:ext>
+            </a:extLst>
+          </a:blip>
+          <a:stretch>
+            <a:fillRect/>
+          </a:stretch>
+        </p:blipFill>
+        <p:spPr>
+          <a:xfrm>
+            <a:off x="1153414" y="2362993"/>
+            <a:ext cx="5236718" cy="2945654"/>
+          </a:xfrm>
+          <a:prstGeom prst="rect">
+            <a:avLst/>
+          </a:prstGeom>
+        </p:spPr>
+      </p:pic>
+      <p:pic>
+        <p:nvPicPr>
+          <p:cNvPr id="6" name="Рисунок 5">
+            <a:extLst>
+              <a:ext uri="{FF2B5EF4-FFF2-40B4-BE49-F238E27FC236}">
+                <a16:creationId xmlns:a16="http://schemas.microsoft.com/office/drawing/2014/main" id="{6EE72A73-42AF-4785-8887-9671F76F69DF}"/>
+              </a:ext>
+            </a:extLst>
+          </p:cNvPr>
+          <p:cNvPicPr>
+            <a:picLocks noChangeAspect="1"/>
+          </p:cNvPicPr>
+          <p:nvPr/>
+        </p:nvPicPr>
+        <p:blipFill>
+          <a:blip r:embed="rId3">
+            <a:extLst>
+              <a:ext uri="{28A0092B-C50C-407E-A947-70E740481C1C}">
+                <a14:useLocalDpi xmlns:a14="http://schemas.microsoft.com/office/drawing/2010/main" val="0"/>
+              </a:ext>
+            </a:extLst>
+          </a:blip>
+          <a:stretch>
+            <a:fillRect/>
+          </a:stretch>
+        </p:blipFill>
+        <p:spPr>
+          <a:xfrm>
+            <a:off x="7376508" y="1911770"/>
+            <a:ext cx="4105650" cy="3848100"/>
+          </a:xfrm>
+          <a:prstGeom prst="rect">
+            <a:avLst/>
+          </a:prstGeom>
+        </p:spPr>
+      </p:pic>
+      <p:sp>
+        <p:nvSpPr>
+          <p:cNvPr id="7" name="Подзаголовок 2">
+            <a:extLst>
+              <a:ext uri="{FF2B5EF4-FFF2-40B4-BE49-F238E27FC236}">
+                <a16:creationId xmlns:a16="http://schemas.microsoft.com/office/drawing/2014/main" id="{90E15164-0A22-4086-A7F6-0305CFB81BDA}"/>
+              </a:ext>
+            </a:extLst>
+          </p:cNvPr>
+          <p:cNvSpPr>
+            <a:spLocks noGrp="1"/>
+          </p:cNvSpPr>
+          <p:nvPr>
+            <p:ph type="subTitle" idx="1"/>
+          </p:nvPr>
+        </p:nvSpPr>
+        <p:spPr>
+          <a:xfrm>
+            <a:off x="3055493" y="5512220"/>
+            <a:ext cx="1432560" cy="495300"/>
+          </a:xfrm>
+        </p:spPr>
+        <p:txBody>
+          <a:bodyPr/>
+          <a:lstStyle/>
+          <a:p>
+            <a:r>
+              <a:rPr lang="ru-RU" dirty="0"/>
+              <a:t>Клиент</a:t>
+            </a:r>
+          </a:p>
+        </p:txBody>
+      </p:sp>
+      <p:sp>
+        <p:nvSpPr>
+          <p:cNvPr id="8" name="Подзаголовок 2">
+            <a:extLst>
+              <a:ext uri="{FF2B5EF4-FFF2-40B4-BE49-F238E27FC236}">
+                <a16:creationId xmlns:a16="http://schemas.microsoft.com/office/drawing/2014/main" id="{3FAE2571-F5FF-4C42-AEF9-D03FFB1848D8}"/>
+              </a:ext>
+            </a:extLst>
+          </p:cNvPr>
+          <p:cNvSpPr txBox="1">
+            <a:spLocks/>
+          </p:cNvSpPr>
+          <p:nvPr/>
+        </p:nvSpPr>
+        <p:spPr>
+          <a:xfrm>
+            <a:off x="9065730" y="5889877"/>
+            <a:ext cx="1432560" cy="495300"/>
+          </a:xfrm>
+          <a:prstGeom prst="rect">
+            <a:avLst/>
+          </a:prstGeom>
+        </p:spPr>
+        <p:txBody>
+          <a:bodyPr vert="horz" lIns="91440" tIns="45720" rIns="91440" bIns="45720" rtlCol="0">
+            <a:normAutofit/>
+          </a:bodyPr>
+          <a:lstStyle>
+            <a:lvl1pPr marL="0" indent="0" algn="l" defTabSz="914400" rtl="0" eaLnBrk="1" latinLnBrk="0" hangingPunct="1">
+              <a:lnSpc>
+                <a:spcPct val="95000"/>
+              </a:lnSpc>
+              <a:spcBef>
+                <a:spcPts val="1400"/>
+              </a:spcBef>
+              <a:spcAft>
+                <a:spcPts val="200"/>
+              </a:spcAft>
+              <a:buClr>
+                <a:schemeClr val="accent1"/>
+              </a:buClr>
+              <a:buSzPct val="80000"/>
+              <a:buFont typeface="Arial" pitchFamily="34" charset="0"/>
+              <a:buNone/>
+              <a:defRPr sz="2200" kern="1200" spc="10" baseline="0">
+                <a:solidFill>
+                  <a:schemeClr val="tx1">
+                    <a:lumMod val="75000"/>
+                  </a:schemeClr>
+                </a:solidFill>
+                <a:latin typeface="+mn-lt"/>
+                <a:ea typeface="+mn-ea"/>
+                <a:cs typeface="+mn-cs"/>
+              </a:defRPr>
+            </a:lvl1pPr>
+            <a:lvl2pPr marL="457200" indent="0" algn="ctr" defTabSz="914400" rtl="0" eaLnBrk="1" latinLnBrk="0" hangingPunct="1">
+              <a:lnSpc>
+                <a:spcPct val="90000"/>
+              </a:lnSpc>
+              <a:spcBef>
+                <a:spcPts val="300"/>
+              </a:spcBef>
+              <a:spcAft>
+                <a:spcPts val="300"/>
+              </a:spcAft>
+              <a:buClr>
+                <a:schemeClr val="accent1"/>
+              </a:buClr>
+              <a:buFont typeface="Wingdings 2" pitchFamily="18" charset="2"/>
+              <a:buNone/>
+              <a:defRPr sz="2200" kern="1200">
+                <a:solidFill>
+                  <a:schemeClr val="tx1">
+                    <a:lumMod val="85000"/>
+                    <a:lumOff val="15000"/>
+                  </a:schemeClr>
+                </a:solidFill>
+                <a:latin typeface="+mn-lt"/>
+                <a:ea typeface="+mn-ea"/>
+                <a:cs typeface="+mn-cs"/>
+              </a:defRPr>
+            </a:lvl2pPr>
+            <a:lvl3pPr marL="914400" indent="0" algn="ctr" defTabSz="914400" rtl="0" eaLnBrk="1" latinLnBrk="0" hangingPunct="1">
+              <a:lnSpc>
+                <a:spcPct val="90000"/>
+              </a:lnSpc>
+              <a:spcBef>
+                <a:spcPts val="300"/>
+              </a:spcBef>
+              <a:spcAft>
+                <a:spcPts val="300"/>
+              </a:spcAft>
+              <a:buClr>
+                <a:schemeClr val="accent1"/>
+              </a:buClr>
+              <a:buFont typeface="Wingdings 2" pitchFamily="18" charset="2"/>
+              <a:buNone/>
+              <a:defRPr sz="2200" kern="1200">
+                <a:solidFill>
+                  <a:schemeClr val="tx1">
+                    <a:lumMod val="85000"/>
+                    <a:lumOff val="15000"/>
+                  </a:schemeClr>
+                </a:solidFill>
+                <a:latin typeface="+mn-lt"/>
+                <a:ea typeface="+mn-ea"/>
+                <a:cs typeface="+mn-cs"/>
+              </a:defRPr>
+            </a:lvl3pPr>
+            <a:lvl4pPr marL="1371600" indent="0" algn="ctr" defTabSz="914400" rtl="0" eaLnBrk="1" latinLnBrk="0" hangingPunct="1">
+              <a:lnSpc>
+                <a:spcPct val="90000"/>
+              </a:lnSpc>
+              <a:spcBef>
+                <a:spcPts val="300"/>
+              </a:spcBef>
+              <a:spcAft>
+                <a:spcPts val="300"/>
+              </a:spcAft>
+              <a:buClr>
+                <a:schemeClr val="accent1"/>
+              </a:buClr>
+              <a:buFont typeface="Wingdings 2" pitchFamily="18" charset="2"/>
+              <a:buNone/>
+              <a:defRPr sz="2000" kern="1200">
+                <a:solidFill>
+                  <a:schemeClr val="tx1">
+                    <a:lumMod val="85000"/>
+                    <a:lumOff val="15000"/>
+                  </a:schemeClr>
+                </a:solidFill>
+                <a:latin typeface="+mn-lt"/>
+                <a:ea typeface="+mn-ea"/>
+                <a:cs typeface="+mn-cs"/>
+              </a:defRPr>
+            </a:lvl4pPr>
+            <a:lvl5pPr marL="1828800" indent="0" algn="ctr" defTabSz="914400" rtl="0" eaLnBrk="1" latinLnBrk="0" hangingPunct="1">
+              <a:lnSpc>
+                <a:spcPct val="90000"/>
+              </a:lnSpc>
+              <a:spcBef>
+                <a:spcPts val="300"/>
+              </a:spcBef>
+              <a:spcAft>
+                <a:spcPts val="300"/>
+              </a:spcAft>
+              <a:buClr>
+                <a:schemeClr val="accent1"/>
+              </a:buClr>
+              <a:buFont typeface="Wingdings 2" pitchFamily="18" charset="2"/>
+              <a:buNone/>
+              <a:defRPr sz="2000" kern="1200">
+                <a:solidFill>
+                  <a:schemeClr val="tx1">
+                    <a:lumMod val="85000"/>
+                    <a:lumOff val="15000"/>
+                  </a:schemeClr>
+                </a:solidFill>
+                <a:latin typeface="+mn-lt"/>
+                <a:ea typeface="+mn-ea"/>
+                <a:cs typeface="+mn-cs"/>
+              </a:defRPr>
+            </a:lvl5pPr>
+            <a:lvl6pPr marL="2286000" indent="0" algn="ctr" defTabSz="914400" rtl="0" eaLnBrk="1" latinLnBrk="0" hangingPunct="1">
+              <a:lnSpc>
+                <a:spcPct val="90000"/>
+              </a:lnSpc>
+              <a:spcBef>
+                <a:spcPts val="300"/>
+              </a:spcBef>
+              <a:spcAft>
+                <a:spcPts val="300"/>
+              </a:spcAft>
+              <a:buClr>
+                <a:schemeClr val="accent1"/>
+              </a:buClr>
+              <a:buFont typeface="Wingdings 2" pitchFamily="18" charset="2"/>
+              <a:buNone/>
+              <a:defRPr sz="2000" kern="1200">
+                <a:solidFill>
+                  <a:schemeClr val="tx1">
+                    <a:lumMod val="85000"/>
+                    <a:lumOff val="15000"/>
+                  </a:schemeClr>
+                </a:solidFill>
+                <a:latin typeface="+mn-lt"/>
+                <a:ea typeface="+mn-ea"/>
+                <a:cs typeface="+mn-cs"/>
+              </a:defRPr>
+            </a:lvl6pPr>
+            <a:lvl7pPr marL="2743200" indent="0" algn="ctr" defTabSz="914400" rtl="0" eaLnBrk="1" latinLnBrk="0" hangingPunct="1">
+              <a:lnSpc>
+                <a:spcPct val="90000"/>
+              </a:lnSpc>
+              <a:spcBef>
+                <a:spcPts val="300"/>
+              </a:spcBef>
+              <a:spcAft>
+                <a:spcPts val="300"/>
+              </a:spcAft>
+              <a:buClr>
+                <a:schemeClr val="accent1"/>
+              </a:buClr>
+              <a:buFont typeface="Wingdings 2" pitchFamily="18" charset="2"/>
+              <a:buNone/>
+              <a:defRPr sz="2000" kern="1200">
+                <a:solidFill>
+                  <a:schemeClr val="tx1">
+                    <a:lumMod val="85000"/>
+                    <a:lumOff val="15000"/>
+                  </a:schemeClr>
+                </a:solidFill>
+                <a:latin typeface="+mn-lt"/>
+                <a:ea typeface="+mn-ea"/>
+                <a:cs typeface="+mn-cs"/>
+              </a:defRPr>
+            </a:lvl7pPr>
+            <a:lvl8pPr marL="3200400" indent="0" algn="ctr" defTabSz="914400" rtl="0" eaLnBrk="1" latinLnBrk="0" hangingPunct="1">
+              <a:lnSpc>
+                <a:spcPct val="90000"/>
+              </a:lnSpc>
+              <a:spcBef>
+                <a:spcPts val="300"/>
+              </a:spcBef>
+              <a:spcAft>
+                <a:spcPts val="300"/>
+              </a:spcAft>
+              <a:buClr>
+                <a:schemeClr val="accent1"/>
+              </a:buClr>
+              <a:buFont typeface="Wingdings 2" pitchFamily="18" charset="2"/>
+              <a:buNone/>
+              <a:defRPr sz="2000" kern="1200">
+                <a:solidFill>
+                  <a:schemeClr val="tx1">
+                    <a:lumMod val="85000"/>
+                    <a:lumOff val="15000"/>
+                  </a:schemeClr>
+                </a:solidFill>
+                <a:latin typeface="+mn-lt"/>
+                <a:ea typeface="+mn-ea"/>
+                <a:cs typeface="+mn-cs"/>
+              </a:defRPr>
+            </a:lvl8pPr>
+            <a:lvl9pPr marL="3657600" indent="0" algn="ctr" defTabSz="914400" rtl="0" eaLnBrk="1" latinLnBrk="0" hangingPunct="1">
+              <a:lnSpc>
+                <a:spcPct val="90000"/>
+              </a:lnSpc>
+              <a:spcBef>
+                <a:spcPts val="300"/>
+              </a:spcBef>
+              <a:spcAft>
+                <a:spcPts val="300"/>
+              </a:spcAft>
+              <a:buClr>
+                <a:schemeClr val="accent1"/>
+              </a:buClr>
+              <a:buFont typeface="Wingdings 2" pitchFamily="18" charset="2"/>
+              <a:buNone/>
+              <a:defRPr sz="2000" kern="1200">
+                <a:solidFill>
+                  <a:schemeClr val="tx1">
+                    <a:lumMod val="85000"/>
+                    <a:lumOff val="15000"/>
+                  </a:schemeClr>
+                </a:solidFill>
+                <a:latin typeface="+mn-lt"/>
+                <a:ea typeface="+mn-ea"/>
+                <a:cs typeface="+mn-cs"/>
+              </a:defRPr>
+            </a:lvl9pPr>
+          </a:lstStyle>
+          <a:p>
+            <a:r>
+              <a:rPr lang="ru-RU" dirty="0"/>
+              <a:t>Сервер</a:t>
+            </a:r>
+          </a:p>
+          <a:p>
+            <a:endParaRPr lang="ru-RU" dirty="0"/>
+          </a:p>
+        </p:txBody>
+      </p:sp>
+    </p:spTree>
+    <p:extLst>
+      <p:ext uri="{BB962C8B-B14F-4D97-AF65-F5344CB8AC3E}">
+        <p14:creationId xmlns:p14="http://schemas.microsoft.com/office/powerpoint/2010/main" val="1388440168"/>
       </p:ext>
     </p:extLst>
   </p:cSld>
